--- a/ppt 16-9/0896.一群大能的子民.pptx
+++ b/ppt 16-9/0896.一群大能的子民.pptx
@@ -129,7 +129,7 @@
           <p:cNvPr id="2" name="标题 1">
             <a:extLst>
               <a:ext uri="{FF2B5EF4-FFF2-40B4-BE49-F238E27FC236}">
-                <a16:creationId xmlns:a16="http://schemas.microsoft.com/office/drawing/2014/main" id="{2A86A207-A4A2-79A6-1085-2E3818172F2D}"/>
+                <a16:creationId xmlns:a16="http://schemas.microsoft.com/office/drawing/2014/main" id="{1D8F02B6-DC8A-F63C-1405-0FA00463B557}"/>
               </a:ext>
             </a:extLst>
           </p:cNvPr>
@@ -166,7 +166,7 @@
           <p:cNvPr id="3" name="副标题 2">
             <a:extLst>
               <a:ext uri="{FF2B5EF4-FFF2-40B4-BE49-F238E27FC236}">
-                <a16:creationId xmlns:a16="http://schemas.microsoft.com/office/drawing/2014/main" id="{AD3E3BD8-8940-3CA4-E2AB-AC799BFD0022}"/>
+                <a16:creationId xmlns:a16="http://schemas.microsoft.com/office/drawing/2014/main" id="{AD588803-F39D-7279-D599-95A16E84BDA9}"/>
               </a:ext>
             </a:extLst>
           </p:cNvPr>
@@ -236,7 +236,7 @@
           <p:cNvPr id="4" name="日期占位符 3">
             <a:extLst>
               <a:ext uri="{FF2B5EF4-FFF2-40B4-BE49-F238E27FC236}">
-                <a16:creationId xmlns:a16="http://schemas.microsoft.com/office/drawing/2014/main" id="{66FB86E0-7BF3-C801-3A69-AD10AF00EE52}"/>
+                <a16:creationId xmlns:a16="http://schemas.microsoft.com/office/drawing/2014/main" id="{6B431DCE-757C-3E7E-8944-69B7CC0791C7}"/>
               </a:ext>
             </a:extLst>
           </p:cNvPr>
@@ -252,7 +252,7 @@
           <a:bodyPr/>
           <a:lstStyle/>
           <a:p>
-            <a:fld id="{E5DB1334-430C-4590-92B3-9196D2A70F18}" type="datetimeFigureOut">
+            <a:fld id="{6CBB906F-6F82-4A34-818E-505EBDC93717}" type="datetimeFigureOut">
               <a:rPr lang="zh-CN" altLang="en-US" smtClean="0"/>
               <a:t>2024/3/10</a:t>
             </a:fld>
@@ -265,7 +265,7 @@
           <p:cNvPr id="5" name="页脚占位符 4">
             <a:extLst>
               <a:ext uri="{FF2B5EF4-FFF2-40B4-BE49-F238E27FC236}">
-                <a16:creationId xmlns:a16="http://schemas.microsoft.com/office/drawing/2014/main" id="{E8FC8855-8E47-2E40-E358-70B7CE410AFC}"/>
+                <a16:creationId xmlns:a16="http://schemas.microsoft.com/office/drawing/2014/main" id="{7029D3A2-8624-6DD2-E2EE-FED314DEAF65}"/>
               </a:ext>
             </a:extLst>
           </p:cNvPr>
@@ -290,7 +290,7 @@
           <p:cNvPr id="6" name="灯片编号占位符 5">
             <a:extLst>
               <a:ext uri="{FF2B5EF4-FFF2-40B4-BE49-F238E27FC236}">
-                <a16:creationId xmlns:a16="http://schemas.microsoft.com/office/drawing/2014/main" id="{55EB2BCE-02DF-C534-B48C-D8DD738FEA76}"/>
+                <a16:creationId xmlns:a16="http://schemas.microsoft.com/office/drawing/2014/main" id="{AA409313-3292-8268-8B43-D18505266ED4}"/>
               </a:ext>
             </a:extLst>
           </p:cNvPr>
@@ -306,7 +306,7 @@
           <a:bodyPr/>
           <a:lstStyle/>
           <a:p>
-            <a:fld id="{2CBF1535-8A6A-4489-8983-BA86345D0F6C}" type="slidenum">
+            <a:fld id="{0C4A86C3-6E94-45FD-8E4E-403FCD55A07D}" type="slidenum">
               <a:rPr lang="zh-CN" altLang="en-US" smtClean="0"/>
               <a:t>‹#›</a:t>
             </a:fld>
@@ -317,7 +317,7 @@
     </p:spTree>
     <p:extLst>
       <p:ext uri="{BB962C8B-B14F-4D97-AF65-F5344CB8AC3E}">
-        <p14:creationId xmlns:p14="http://schemas.microsoft.com/office/powerpoint/2010/main" val="716981942"/>
+        <p14:creationId xmlns:p14="http://schemas.microsoft.com/office/powerpoint/2010/main" val="2007322682"/>
       </p:ext>
     </p:extLst>
   </p:cSld>
@@ -349,7 +349,7 @@
           <p:cNvPr id="2" name="标题 1">
             <a:extLst>
               <a:ext uri="{FF2B5EF4-FFF2-40B4-BE49-F238E27FC236}">
-                <a16:creationId xmlns:a16="http://schemas.microsoft.com/office/drawing/2014/main" id="{13F1A2D4-0804-6E28-0C8E-86D681C9355E}"/>
+                <a16:creationId xmlns:a16="http://schemas.microsoft.com/office/drawing/2014/main" id="{AD970F85-FB01-1D57-223B-43D5E60E808F}"/>
               </a:ext>
             </a:extLst>
           </p:cNvPr>
@@ -377,7 +377,7 @@
           <p:cNvPr id="3" name="竖排文字占位符 2">
             <a:extLst>
               <a:ext uri="{FF2B5EF4-FFF2-40B4-BE49-F238E27FC236}">
-                <a16:creationId xmlns:a16="http://schemas.microsoft.com/office/drawing/2014/main" id="{47C8D153-422F-257B-0E3D-AEFFA7DB1A09}"/>
+                <a16:creationId xmlns:a16="http://schemas.microsoft.com/office/drawing/2014/main" id="{316B71F4-C21D-CF3B-4213-D6D8FE0760F4}"/>
               </a:ext>
             </a:extLst>
           </p:cNvPr>
@@ -434,7 +434,7 @@
           <p:cNvPr id="4" name="日期占位符 3">
             <a:extLst>
               <a:ext uri="{FF2B5EF4-FFF2-40B4-BE49-F238E27FC236}">
-                <a16:creationId xmlns:a16="http://schemas.microsoft.com/office/drawing/2014/main" id="{C434D418-5631-DCBF-F3AE-F8496BD8DB97}"/>
+                <a16:creationId xmlns:a16="http://schemas.microsoft.com/office/drawing/2014/main" id="{C56113CA-788D-131A-0589-1726C5FB2D00}"/>
               </a:ext>
             </a:extLst>
           </p:cNvPr>
@@ -450,7 +450,7 @@
           <a:bodyPr/>
           <a:lstStyle/>
           <a:p>
-            <a:fld id="{E5DB1334-430C-4590-92B3-9196D2A70F18}" type="datetimeFigureOut">
+            <a:fld id="{6CBB906F-6F82-4A34-818E-505EBDC93717}" type="datetimeFigureOut">
               <a:rPr lang="zh-CN" altLang="en-US" smtClean="0"/>
               <a:t>2024/3/10</a:t>
             </a:fld>
@@ -463,7 +463,7 @@
           <p:cNvPr id="5" name="页脚占位符 4">
             <a:extLst>
               <a:ext uri="{FF2B5EF4-FFF2-40B4-BE49-F238E27FC236}">
-                <a16:creationId xmlns:a16="http://schemas.microsoft.com/office/drawing/2014/main" id="{75B645DE-93D0-9C2E-93E6-3D4F48BF25F8}"/>
+                <a16:creationId xmlns:a16="http://schemas.microsoft.com/office/drawing/2014/main" id="{3F0261FB-4C43-A392-90D8-098AB4DEE396}"/>
               </a:ext>
             </a:extLst>
           </p:cNvPr>
@@ -488,7 +488,7 @@
           <p:cNvPr id="6" name="灯片编号占位符 5">
             <a:extLst>
               <a:ext uri="{FF2B5EF4-FFF2-40B4-BE49-F238E27FC236}">
-                <a16:creationId xmlns:a16="http://schemas.microsoft.com/office/drawing/2014/main" id="{1CF5CC1D-B936-D32E-8C7B-4B0F7100C45C}"/>
+                <a16:creationId xmlns:a16="http://schemas.microsoft.com/office/drawing/2014/main" id="{914E19AE-3615-A314-D326-4195D3E11CA4}"/>
               </a:ext>
             </a:extLst>
           </p:cNvPr>
@@ -504,7 +504,7 @@
           <a:bodyPr/>
           <a:lstStyle/>
           <a:p>
-            <a:fld id="{2CBF1535-8A6A-4489-8983-BA86345D0F6C}" type="slidenum">
+            <a:fld id="{0C4A86C3-6E94-45FD-8E4E-403FCD55A07D}" type="slidenum">
               <a:rPr lang="zh-CN" altLang="en-US" smtClean="0"/>
               <a:t>‹#›</a:t>
             </a:fld>
@@ -515,7 +515,7 @@
     </p:spTree>
     <p:extLst>
       <p:ext uri="{BB962C8B-B14F-4D97-AF65-F5344CB8AC3E}">
-        <p14:creationId xmlns:p14="http://schemas.microsoft.com/office/powerpoint/2010/main" val="3043615502"/>
+        <p14:creationId xmlns:p14="http://schemas.microsoft.com/office/powerpoint/2010/main" val="2711527898"/>
       </p:ext>
     </p:extLst>
   </p:cSld>
@@ -547,7 +547,7 @@
           <p:cNvPr id="2" name="竖排标题 1">
             <a:extLst>
               <a:ext uri="{FF2B5EF4-FFF2-40B4-BE49-F238E27FC236}">
-                <a16:creationId xmlns:a16="http://schemas.microsoft.com/office/drawing/2014/main" id="{20D4EC2B-DA25-F6CA-8136-BA73AFD19887}"/>
+                <a16:creationId xmlns:a16="http://schemas.microsoft.com/office/drawing/2014/main" id="{3656011A-5B59-1215-07D6-6CDF9B0BDDA5}"/>
               </a:ext>
             </a:extLst>
           </p:cNvPr>
@@ -580,7 +580,7 @@
           <p:cNvPr id="3" name="竖排文字占位符 2">
             <a:extLst>
               <a:ext uri="{FF2B5EF4-FFF2-40B4-BE49-F238E27FC236}">
-                <a16:creationId xmlns:a16="http://schemas.microsoft.com/office/drawing/2014/main" id="{FBF8B8B3-56FA-8A70-9778-379853F699E8}"/>
+                <a16:creationId xmlns:a16="http://schemas.microsoft.com/office/drawing/2014/main" id="{8495BC94-312A-7E35-CED6-AE954FA047EE}"/>
               </a:ext>
             </a:extLst>
           </p:cNvPr>
@@ -642,7 +642,7 @@
           <p:cNvPr id="4" name="日期占位符 3">
             <a:extLst>
               <a:ext uri="{FF2B5EF4-FFF2-40B4-BE49-F238E27FC236}">
-                <a16:creationId xmlns:a16="http://schemas.microsoft.com/office/drawing/2014/main" id="{11306FB1-321F-B04A-7E1B-01F8E0AF296F}"/>
+                <a16:creationId xmlns:a16="http://schemas.microsoft.com/office/drawing/2014/main" id="{EF8E76E9-C686-5060-77A4-60D88F80CC7E}"/>
               </a:ext>
             </a:extLst>
           </p:cNvPr>
@@ -658,7 +658,7 @@
           <a:bodyPr/>
           <a:lstStyle/>
           <a:p>
-            <a:fld id="{E5DB1334-430C-4590-92B3-9196D2A70F18}" type="datetimeFigureOut">
+            <a:fld id="{6CBB906F-6F82-4A34-818E-505EBDC93717}" type="datetimeFigureOut">
               <a:rPr lang="zh-CN" altLang="en-US" smtClean="0"/>
               <a:t>2024/3/10</a:t>
             </a:fld>
@@ -671,7 +671,7 @@
           <p:cNvPr id="5" name="页脚占位符 4">
             <a:extLst>
               <a:ext uri="{FF2B5EF4-FFF2-40B4-BE49-F238E27FC236}">
-                <a16:creationId xmlns:a16="http://schemas.microsoft.com/office/drawing/2014/main" id="{928576C9-ED28-672F-7B31-52A7A22B0053}"/>
+                <a16:creationId xmlns:a16="http://schemas.microsoft.com/office/drawing/2014/main" id="{01D5CE12-C710-1738-9CC5-677214229437}"/>
               </a:ext>
             </a:extLst>
           </p:cNvPr>
@@ -696,7 +696,7 @@
           <p:cNvPr id="6" name="灯片编号占位符 5">
             <a:extLst>
               <a:ext uri="{FF2B5EF4-FFF2-40B4-BE49-F238E27FC236}">
-                <a16:creationId xmlns:a16="http://schemas.microsoft.com/office/drawing/2014/main" id="{11362250-6C7A-3345-69D4-805AA0BAE69C}"/>
+                <a16:creationId xmlns:a16="http://schemas.microsoft.com/office/drawing/2014/main" id="{90DC66EE-8660-29F6-0EF7-DDAA28E8AE8A}"/>
               </a:ext>
             </a:extLst>
           </p:cNvPr>
@@ -712,7 +712,7 @@
           <a:bodyPr/>
           <a:lstStyle/>
           <a:p>
-            <a:fld id="{2CBF1535-8A6A-4489-8983-BA86345D0F6C}" type="slidenum">
+            <a:fld id="{0C4A86C3-6E94-45FD-8E4E-403FCD55A07D}" type="slidenum">
               <a:rPr lang="zh-CN" altLang="en-US" smtClean="0"/>
               <a:t>‹#›</a:t>
             </a:fld>
@@ -723,7 +723,7 @@
     </p:spTree>
     <p:extLst>
       <p:ext uri="{BB962C8B-B14F-4D97-AF65-F5344CB8AC3E}">
-        <p14:creationId xmlns:p14="http://schemas.microsoft.com/office/powerpoint/2010/main" val="1459632876"/>
+        <p14:creationId xmlns:p14="http://schemas.microsoft.com/office/powerpoint/2010/main" val="1237565439"/>
       </p:ext>
     </p:extLst>
   </p:cSld>
@@ -755,7 +755,7 @@
           <p:cNvPr id="2" name="标题 1">
             <a:extLst>
               <a:ext uri="{FF2B5EF4-FFF2-40B4-BE49-F238E27FC236}">
-                <a16:creationId xmlns:a16="http://schemas.microsoft.com/office/drawing/2014/main" id="{FEF7B7C4-0394-348B-3E29-EC4330628FF2}"/>
+                <a16:creationId xmlns:a16="http://schemas.microsoft.com/office/drawing/2014/main" id="{FC036AF8-76EA-D596-21A3-7E5903F81CEA}"/>
               </a:ext>
             </a:extLst>
           </p:cNvPr>
@@ -783,7 +783,7 @@
           <p:cNvPr id="3" name="内容占位符 2">
             <a:extLst>
               <a:ext uri="{FF2B5EF4-FFF2-40B4-BE49-F238E27FC236}">
-                <a16:creationId xmlns:a16="http://schemas.microsoft.com/office/drawing/2014/main" id="{CD7ACD00-0912-1143-57B2-A164F182970E}"/>
+                <a16:creationId xmlns:a16="http://schemas.microsoft.com/office/drawing/2014/main" id="{041A9454-8FAF-079A-3082-435A7BACF81C}"/>
               </a:ext>
             </a:extLst>
           </p:cNvPr>
@@ -840,7 +840,7 @@
           <p:cNvPr id="4" name="日期占位符 3">
             <a:extLst>
               <a:ext uri="{FF2B5EF4-FFF2-40B4-BE49-F238E27FC236}">
-                <a16:creationId xmlns:a16="http://schemas.microsoft.com/office/drawing/2014/main" id="{F4E1C1A4-459D-FC96-34EF-100D3CD43190}"/>
+                <a16:creationId xmlns:a16="http://schemas.microsoft.com/office/drawing/2014/main" id="{2DF018D0-690A-E0F9-5221-1DBD5418ECC8}"/>
               </a:ext>
             </a:extLst>
           </p:cNvPr>
@@ -856,7 +856,7 @@
           <a:bodyPr/>
           <a:lstStyle/>
           <a:p>
-            <a:fld id="{E5DB1334-430C-4590-92B3-9196D2A70F18}" type="datetimeFigureOut">
+            <a:fld id="{6CBB906F-6F82-4A34-818E-505EBDC93717}" type="datetimeFigureOut">
               <a:rPr lang="zh-CN" altLang="en-US" smtClean="0"/>
               <a:t>2024/3/10</a:t>
             </a:fld>
@@ -869,7 +869,7 @@
           <p:cNvPr id="5" name="页脚占位符 4">
             <a:extLst>
               <a:ext uri="{FF2B5EF4-FFF2-40B4-BE49-F238E27FC236}">
-                <a16:creationId xmlns:a16="http://schemas.microsoft.com/office/drawing/2014/main" id="{09DC6EBA-3E0F-5D5A-5956-E7502565CA9E}"/>
+                <a16:creationId xmlns:a16="http://schemas.microsoft.com/office/drawing/2014/main" id="{50DB8645-4989-0E0D-4E88-14056BBF093E}"/>
               </a:ext>
             </a:extLst>
           </p:cNvPr>
@@ -894,7 +894,7 @@
           <p:cNvPr id="6" name="灯片编号占位符 5">
             <a:extLst>
               <a:ext uri="{FF2B5EF4-FFF2-40B4-BE49-F238E27FC236}">
-                <a16:creationId xmlns:a16="http://schemas.microsoft.com/office/drawing/2014/main" id="{2F863406-9192-726D-6D6C-0F416B4AB357}"/>
+                <a16:creationId xmlns:a16="http://schemas.microsoft.com/office/drawing/2014/main" id="{E30E3084-3E52-5AAA-0B21-04C792E6FCD4}"/>
               </a:ext>
             </a:extLst>
           </p:cNvPr>
@@ -910,7 +910,7 @@
           <a:bodyPr/>
           <a:lstStyle/>
           <a:p>
-            <a:fld id="{2CBF1535-8A6A-4489-8983-BA86345D0F6C}" type="slidenum">
+            <a:fld id="{0C4A86C3-6E94-45FD-8E4E-403FCD55A07D}" type="slidenum">
               <a:rPr lang="zh-CN" altLang="en-US" smtClean="0"/>
               <a:t>‹#›</a:t>
             </a:fld>
@@ -921,7 +921,7 @@
     </p:spTree>
     <p:extLst>
       <p:ext uri="{BB962C8B-B14F-4D97-AF65-F5344CB8AC3E}">
-        <p14:creationId xmlns:p14="http://schemas.microsoft.com/office/powerpoint/2010/main" val="2514273164"/>
+        <p14:creationId xmlns:p14="http://schemas.microsoft.com/office/powerpoint/2010/main" val="4209583526"/>
       </p:ext>
     </p:extLst>
   </p:cSld>
@@ -953,7 +953,7 @@
           <p:cNvPr id="2" name="标题 1">
             <a:extLst>
               <a:ext uri="{FF2B5EF4-FFF2-40B4-BE49-F238E27FC236}">
-                <a16:creationId xmlns:a16="http://schemas.microsoft.com/office/drawing/2014/main" id="{3CE03920-7B20-EC45-F1DC-0F6E9CF67886}"/>
+                <a16:creationId xmlns:a16="http://schemas.microsoft.com/office/drawing/2014/main" id="{3FA1E75B-E3A7-E655-4B1A-E2528797E814}"/>
               </a:ext>
             </a:extLst>
           </p:cNvPr>
@@ -990,7 +990,7 @@
           <p:cNvPr id="3" name="文本占位符 2">
             <a:extLst>
               <a:ext uri="{FF2B5EF4-FFF2-40B4-BE49-F238E27FC236}">
-                <a16:creationId xmlns:a16="http://schemas.microsoft.com/office/drawing/2014/main" id="{1F440622-7209-E9C2-5049-C1332F1B5B1D}"/>
+                <a16:creationId xmlns:a16="http://schemas.microsoft.com/office/drawing/2014/main" id="{F6F0CB91-8DBB-27BF-7603-0E0D45ED055E}"/>
               </a:ext>
             </a:extLst>
           </p:cNvPr>
@@ -1115,7 +1115,7 @@
           <p:cNvPr id="4" name="日期占位符 3">
             <a:extLst>
               <a:ext uri="{FF2B5EF4-FFF2-40B4-BE49-F238E27FC236}">
-                <a16:creationId xmlns:a16="http://schemas.microsoft.com/office/drawing/2014/main" id="{33B534B9-57A6-50B8-674F-97EB794CCDFD}"/>
+                <a16:creationId xmlns:a16="http://schemas.microsoft.com/office/drawing/2014/main" id="{76631D05-A367-4043-957D-92760633065E}"/>
               </a:ext>
             </a:extLst>
           </p:cNvPr>
@@ -1131,7 +1131,7 @@
           <a:bodyPr/>
           <a:lstStyle/>
           <a:p>
-            <a:fld id="{E5DB1334-430C-4590-92B3-9196D2A70F18}" type="datetimeFigureOut">
+            <a:fld id="{6CBB906F-6F82-4A34-818E-505EBDC93717}" type="datetimeFigureOut">
               <a:rPr lang="zh-CN" altLang="en-US" smtClean="0"/>
               <a:t>2024/3/10</a:t>
             </a:fld>
@@ -1144,7 +1144,7 @@
           <p:cNvPr id="5" name="页脚占位符 4">
             <a:extLst>
               <a:ext uri="{FF2B5EF4-FFF2-40B4-BE49-F238E27FC236}">
-                <a16:creationId xmlns:a16="http://schemas.microsoft.com/office/drawing/2014/main" id="{523695C2-86F3-44E5-3B9F-CAF2B506B898}"/>
+                <a16:creationId xmlns:a16="http://schemas.microsoft.com/office/drawing/2014/main" id="{416FA71E-0FE3-633B-90C6-97D6559BFC41}"/>
               </a:ext>
             </a:extLst>
           </p:cNvPr>
@@ -1169,7 +1169,7 @@
           <p:cNvPr id="6" name="灯片编号占位符 5">
             <a:extLst>
               <a:ext uri="{FF2B5EF4-FFF2-40B4-BE49-F238E27FC236}">
-                <a16:creationId xmlns:a16="http://schemas.microsoft.com/office/drawing/2014/main" id="{4F8D1A6F-AA0F-207C-C9D8-03FFD946261F}"/>
+                <a16:creationId xmlns:a16="http://schemas.microsoft.com/office/drawing/2014/main" id="{DBAA96A9-C1C5-180F-89C5-E528C1673FFC}"/>
               </a:ext>
             </a:extLst>
           </p:cNvPr>
@@ -1185,7 +1185,7 @@
           <a:bodyPr/>
           <a:lstStyle/>
           <a:p>
-            <a:fld id="{2CBF1535-8A6A-4489-8983-BA86345D0F6C}" type="slidenum">
+            <a:fld id="{0C4A86C3-6E94-45FD-8E4E-403FCD55A07D}" type="slidenum">
               <a:rPr lang="zh-CN" altLang="en-US" smtClean="0"/>
               <a:t>‹#›</a:t>
             </a:fld>
@@ -1196,7 +1196,7 @@
     </p:spTree>
     <p:extLst>
       <p:ext uri="{BB962C8B-B14F-4D97-AF65-F5344CB8AC3E}">
-        <p14:creationId xmlns:p14="http://schemas.microsoft.com/office/powerpoint/2010/main" val="3207000828"/>
+        <p14:creationId xmlns:p14="http://schemas.microsoft.com/office/powerpoint/2010/main" val="970777230"/>
       </p:ext>
     </p:extLst>
   </p:cSld>
@@ -1228,7 +1228,7 @@
           <p:cNvPr id="2" name="标题 1">
             <a:extLst>
               <a:ext uri="{FF2B5EF4-FFF2-40B4-BE49-F238E27FC236}">
-                <a16:creationId xmlns:a16="http://schemas.microsoft.com/office/drawing/2014/main" id="{E6E68BE1-CAFD-794E-FEE3-48ECA4611919}"/>
+                <a16:creationId xmlns:a16="http://schemas.microsoft.com/office/drawing/2014/main" id="{32205B98-8DEE-EE0B-B69D-7EF27D52A7DE}"/>
               </a:ext>
             </a:extLst>
           </p:cNvPr>
@@ -1256,7 +1256,7 @@
           <p:cNvPr id="3" name="内容占位符 2">
             <a:extLst>
               <a:ext uri="{FF2B5EF4-FFF2-40B4-BE49-F238E27FC236}">
-                <a16:creationId xmlns:a16="http://schemas.microsoft.com/office/drawing/2014/main" id="{82F223BA-0C64-351F-FC0A-3B29AE552783}"/>
+                <a16:creationId xmlns:a16="http://schemas.microsoft.com/office/drawing/2014/main" id="{FF92F2C8-4BBA-B2F1-B685-CC999DED22D5}"/>
               </a:ext>
             </a:extLst>
           </p:cNvPr>
@@ -1318,7 +1318,7 @@
           <p:cNvPr id="4" name="内容占位符 3">
             <a:extLst>
               <a:ext uri="{FF2B5EF4-FFF2-40B4-BE49-F238E27FC236}">
-                <a16:creationId xmlns:a16="http://schemas.microsoft.com/office/drawing/2014/main" id="{0C4E3B24-B7D1-1BDE-FEC3-3671C29AA5E8}"/>
+                <a16:creationId xmlns:a16="http://schemas.microsoft.com/office/drawing/2014/main" id="{35BA6C3C-05A8-FAD0-829D-C32D9BE6587F}"/>
               </a:ext>
             </a:extLst>
           </p:cNvPr>
@@ -1380,7 +1380,7 @@
           <p:cNvPr id="5" name="日期占位符 4">
             <a:extLst>
               <a:ext uri="{FF2B5EF4-FFF2-40B4-BE49-F238E27FC236}">
-                <a16:creationId xmlns:a16="http://schemas.microsoft.com/office/drawing/2014/main" id="{331712D3-99D1-5563-8961-1797F8ED0F3C}"/>
+                <a16:creationId xmlns:a16="http://schemas.microsoft.com/office/drawing/2014/main" id="{A1034717-1AD9-0D8E-F25B-FAD556CE3FB1}"/>
               </a:ext>
             </a:extLst>
           </p:cNvPr>
@@ -1396,7 +1396,7 @@
           <a:bodyPr/>
           <a:lstStyle/>
           <a:p>
-            <a:fld id="{E5DB1334-430C-4590-92B3-9196D2A70F18}" type="datetimeFigureOut">
+            <a:fld id="{6CBB906F-6F82-4A34-818E-505EBDC93717}" type="datetimeFigureOut">
               <a:rPr lang="zh-CN" altLang="en-US" smtClean="0"/>
               <a:t>2024/3/10</a:t>
             </a:fld>
@@ -1409,7 +1409,7 @@
           <p:cNvPr id="6" name="页脚占位符 5">
             <a:extLst>
               <a:ext uri="{FF2B5EF4-FFF2-40B4-BE49-F238E27FC236}">
-                <a16:creationId xmlns:a16="http://schemas.microsoft.com/office/drawing/2014/main" id="{6A262AA9-3970-3976-4516-D24F27D28030}"/>
+                <a16:creationId xmlns:a16="http://schemas.microsoft.com/office/drawing/2014/main" id="{A4C6AF0E-703D-43C1-3F4C-10B9145F33D6}"/>
               </a:ext>
             </a:extLst>
           </p:cNvPr>
@@ -1434,7 +1434,7 @@
           <p:cNvPr id="7" name="灯片编号占位符 6">
             <a:extLst>
               <a:ext uri="{FF2B5EF4-FFF2-40B4-BE49-F238E27FC236}">
-                <a16:creationId xmlns:a16="http://schemas.microsoft.com/office/drawing/2014/main" id="{6E32776F-0DC9-C5FA-26FB-62CDEA759F4F}"/>
+                <a16:creationId xmlns:a16="http://schemas.microsoft.com/office/drawing/2014/main" id="{4F7A96A3-E55D-154B-B0DB-67E7D86753AF}"/>
               </a:ext>
             </a:extLst>
           </p:cNvPr>
@@ -1450,7 +1450,7 @@
           <a:bodyPr/>
           <a:lstStyle/>
           <a:p>
-            <a:fld id="{2CBF1535-8A6A-4489-8983-BA86345D0F6C}" type="slidenum">
+            <a:fld id="{0C4A86C3-6E94-45FD-8E4E-403FCD55A07D}" type="slidenum">
               <a:rPr lang="zh-CN" altLang="en-US" smtClean="0"/>
               <a:t>‹#›</a:t>
             </a:fld>
@@ -1461,7 +1461,7 @@
     </p:spTree>
     <p:extLst>
       <p:ext uri="{BB962C8B-B14F-4D97-AF65-F5344CB8AC3E}">
-        <p14:creationId xmlns:p14="http://schemas.microsoft.com/office/powerpoint/2010/main" val="1388797537"/>
+        <p14:creationId xmlns:p14="http://schemas.microsoft.com/office/powerpoint/2010/main" val="2579028970"/>
       </p:ext>
     </p:extLst>
   </p:cSld>
@@ -1493,7 +1493,7 @@
           <p:cNvPr id="2" name="标题 1">
             <a:extLst>
               <a:ext uri="{FF2B5EF4-FFF2-40B4-BE49-F238E27FC236}">
-                <a16:creationId xmlns:a16="http://schemas.microsoft.com/office/drawing/2014/main" id="{6DFC3829-E84A-0077-55E5-03F5E46F338B}"/>
+                <a16:creationId xmlns:a16="http://schemas.microsoft.com/office/drawing/2014/main" id="{62DF980E-96E6-AB96-BF79-53413BC07A5C}"/>
               </a:ext>
             </a:extLst>
           </p:cNvPr>
@@ -1526,7 +1526,7 @@
           <p:cNvPr id="3" name="文本占位符 2">
             <a:extLst>
               <a:ext uri="{FF2B5EF4-FFF2-40B4-BE49-F238E27FC236}">
-                <a16:creationId xmlns:a16="http://schemas.microsoft.com/office/drawing/2014/main" id="{BCCA9083-60BF-3394-BC8E-D0EB69982441}"/>
+                <a16:creationId xmlns:a16="http://schemas.microsoft.com/office/drawing/2014/main" id="{56E5FB8F-81AC-65E3-C19D-E4EE8FA4939B}"/>
               </a:ext>
             </a:extLst>
           </p:cNvPr>
@@ -1597,7 +1597,7 @@
           <p:cNvPr id="4" name="内容占位符 3">
             <a:extLst>
               <a:ext uri="{FF2B5EF4-FFF2-40B4-BE49-F238E27FC236}">
-                <a16:creationId xmlns:a16="http://schemas.microsoft.com/office/drawing/2014/main" id="{148760C7-8732-6B99-46A4-6F00EA2FD298}"/>
+                <a16:creationId xmlns:a16="http://schemas.microsoft.com/office/drawing/2014/main" id="{3D3AFE8D-AA6F-1DC3-127C-DAEC806C4E9D}"/>
               </a:ext>
             </a:extLst>
           </p:cNvPr>
@@ -1659,7 +1659,7 @@
           <p:cNvPr id="5" name="文本占位符 4">
             <a:extLst>
               <a:ext uri="{FF2B5EF4-FFF2-40B4-BE49-F238E27FC236}">
-                <a16:creationId xmlns:a16="http://schemas.microsoft.com/office/drawing/2014/main" id="{958BB30E-C3DF-B6F8-896D-48AD1323F117}"/>
+                <a16:creationId xmlns:a16="http://schemas.microsoft.com/office/drawing/2014/main" id="{7DFC2624-BA7C-21B2-9C00-71F0B3AEEC07}"/>
               </a:ext>
             </a:extLst>
           </p:cNvPr>
@@ -1730,7 +1730,7 @@
           <p:cNvPr id="6" name="内容占位符 5">
             <a:extLst>
               <a:ext uri="{FF2B5EF4-FFF2-40B4-BE49-F238E27FC236}">
-                <a16:creationId xmlns:a16="http://schemas.microsoft.com/office/drawing/2014/main" id="{CD7845ED-7AFA-A87C-3C3C-A42822B2EC28}"/>
+                <a16:creationId xmlns:a16="http://schemas.microsoft.com/office/drawing/2014/main" id="{F8E1C884-B382-17CA-85AD-5A58E6FFB9B2}"/>
               </a:ext>
             </a:extLst>
           </p:cNvPr>
@@ -1792,7 +1792,7 @@
           <p:cNvPr id="7" name="日期占位符 6">
             <a:extLst>
               <a:ext uri="{FF2B5EF4-FFF2-40B4-BE49-F238E27FC236}">
-                <a16:creationId xmlns:a16="http://schemas.microsoft.com/office/drawing/2014/main" id="{25A2370C-473C-A7F8-C55C-AC93436AC3E2}"/>
+                <a16:creationId xmlns:a16="http://schemas.microsoft.com/office/drawing/2014/main" id="{C4D1340C-824E-26F0-840E-3EA22ADA2F9D}"/>
               </a:ext>
             </a:extLst>
           </p:cNvPr>
@@ -1808,7 +1808,7 @@
           <a:bodyPr/>
           <a:lstStyle/>
           <a:p>
-            <a:fld id="{E5DB1334-430C-4590-92B3-9196D2A70F18}" type="datetimeFigureOut">
+            <a:fld id="{6CBB906F-6F82-4A34-818E-505EBDC93717}" type="datetimeFigureOut">
               <a:rPr lang="zh-CN" altLang="en-US" smtClean="0"/>
               <a:t>2024/3/10</a:t>
             </a:fld>
@@ -1821,7 +1821,7 @@
           <p:cNvPr id="8" name="页脚占位符 7">
             <a:extLst>
               <a:ext uri="{FF2B5EF4-FFF2-40B4-BE49-F238E27FC236}">
-                <a16:creationId xmlns:a16="http://schemas.microsoft.com/office/drawing/2014/main" id="{69649922-BFD0-5AD3-3A0F-4A8AB40844B7}"/>
+                <a16:creationId xmlns:a16="http://schemas.microsoft.com/office/drawing/2014/main" id="{087CB3BE-3302-9367-A129-214A84B701E1}"/>
               </a:ext>
             </a:extLst>
           </p:cNvPr>
@@ -1846,7 +1846,7 @@
           <p:cNvPr id="9" name="灯片编号占位符 8">
             <a:extLst>
               <a:ext uri="{FF2B5EF4-FFF2-40B4-BE49-F238E27FC236}">
-                <a16:creationId xmlns:a16="http://schemas.microsoft.com/office/drawing/2014/main" id="{1FE50661-974A-AA25-D9AC-C3804D856527}"/>
+                <a16:creationId xmlns:a16="http://schemas.microsoft.com/office/drawing/2014/main" id="{F347EA4C-E9CA-49A0-05DF-6B8FBFAC1549}"/>
               </a:ext>
             </a:extLst>
           </p:cNvPr>
@@ -1862,7 +1862,7 @@
           <a:bodyPr/>
           <a:lstStyle/>
           <a:p>
-            <a:fld id="{2CBF1535-8A6A-4489-8983-BA86345D0F6C}" type="slidenum">
+            <a:fld id="{0C4A86C3-6E94-45FD-8E4E-403FCD55A07D}" type="slidenum">
               <a:rPr lang="zh-CN" altLang="en-US" smtClean="0"/>
               <a:t>‹#›</a:t>
             </a:fld>
@@ -1873,7 +1873,7 @@
     </p:spTree>
     <p:extLst>
       <p:ext uri="{BB962C8B-B14F-4D97-AF65-F5344CB8AC3E}">
-        <p14:creationId xmlns:p14="http://schemas.microsoft.com/office/powerpoint/2010/main" val="2491522069"/>
+        <p14:creationId xmlns:p14="http://schemas.microsoft.com/office/powerpoint/2010/main" val="1567109898"/>
       </p:ext>
     </p:extLst>
   </p:cSld>
@@ -1905,7 +1905,7 @@
           <p:cNvPr id="2" name="标题 1">
             <a:extLst>
               <a:ext uri="{FF2B5EF4-FFF2-40B4-BE49-F238E27FC236}">
-                <a16:creationId xmlns:a16="http://schemas.microsoft.com/office/drawing/2014/main" id="{1DB337AB-1E1B-E439-D1E3-AA7AD26AC594}"/>
+                <a16:creationId xmlns:a16="http://schemas.microsoft.com/office/drawing/2014/main" id="{EE24A30A-0A70-4488-00F3-74E33303BD21}"/>
               </a:ext>
             </a:extLst>
           </p:cNvPr>
@@ -1933,7 +1933,7 @@
           <p:cNvPr id="3" name="日期占位符 2">
             <a:extLst>
               <a:ext uri="{FF2B5EF4-FFF2-40B4-BE49-F238E27FC236}">
-                <a16:creationId xmlns:a16="http://schemas.microsoft.com/office/drawing/2014/main" id="{466F5DAD-2C4B-3667-712F-298DEB500118}"/>
+                <a16:creationId xmlns:a16="http://schemas.microsoft.com/office/drawing/2014/main" id="{7F05ACF0-604D-659D-7870-C63C1366332B}"/>
               </a:ext>
             </a:extLst>
           </p:cNvPr>
@@ -1949,7 +1949,7 @@
           <a:bodyPr/>
           <a:lstStyle/>
           <a:p>
-            <a:fld id="{E5DB1334-430C-4590-92B3-9196D2A70F18}" type="datetimeFigureOut">
+            <a:fld id="{6CBB906F-6F82-4A34-818E-505EBDC93717}" type="datetimeFigureOut">
               <a:rPr lang="zh-CN" altLang="en-US" smtClean="0"/>
               <a:t>2024/3/10</a:t>
             </a:fld>
@@ -1962,7 +1962,7 @@
           <p:cNvPr id="4" name="页脚占位符 3">
             <a:extLst>
               <a:ext uri="{FF2B5EF4-FFF2-40B4-BE49-F238E27FC236}">
-                <a16:creationId xmlns:a16="http://schemas.microsoft.com/office/drawing/2014/main" id="{44FBBF0B-9393-7E2D-E0D5-E46DF193F7AA}"/>
+                <a16:creationId xmlns:a16="http://schemas.microsoft.com/office/drawing/2014/main" id="{90DB286C-A47E-DFD7-67BF-702739854A2D}"/>
               </a:ext>
             </a:extLst>
           </p:cNvPr>
@@ -1987,7 +1987,7 @@
           <p:cNvPr id="5" name="灯片编号占位符 4">
             <a:extLst>
               <a:ext uri="{FF2B5EF4-FFF2-40B4-BE49-F238E27FC236}">
-                <a16:creationId xmlns:a16="http://schemas.microsoft.com/office/drawing/2014/main" id="{4E2DFC62-6DA3-4797-605C-D4A3E222563D}"/>
+                <a16:creationId xmlns:a16="http://schemas.microsoft.com/office/drawing/2014/main" id="{5681C486-D31C-DD54-E2F5-D15927CBA753}"/>
               </a:ext>
             </a:extLst>
           </p:cNvPr>
@@ -2003,7 +2003,7 @@
           <a:bodyPr/>
           <a:lstStyle/>
           <a:p>
-            <a:fld id="{2CBF1535-8A6A-4489-8983-BA86345D0F6C}" type="slidenum">
+            <a:fld id="{0C4A86C3-6E94-45FD-8E4E-403FCD55A07D}" type="slidenum">
               <a:rPr lang="zh-CN" altLang="en-US" smtClean="0"/>
               <a:t>‹#›</a:t>
             </a:fld>
@@ -2014,7 +2014,7 @@
     </p:spTree>
     <p:extLst>
       <p:ext uri="{BB962C8B-B14F-4D97-AF65-F5344CB8AC3E}">
-        <p14:creationId xmlns:p14="http://schemas.microsoft.com/office/powerpoint/2010/main" val="1282182088"/>
+        <p14:creationId xmlns:p14="http://schemas.microsoft.com/office/powerpoint/2010/main" val="3989290875"/>
       </p:ext>
     </p:extLst>
   </p:cSld>
@@ -2046,7 +2046,7 @@
           <p:cNvPr id="2" name="日期占位符 1">
             <a:extLst>
               <a:ext uri="{FF2B5EF4-FFF2-40B4-BE49-F238E27FC236}">
-                <a16:creationId xmlns:a16="http://schemas.microsoft.com/office/drawing/2014/main" id="{FA560C06-AE4A-EF39-ACD6-AF79B4C098DC}"/>
+                <a16:creationId xmlns:a16="http://schemas.microsoft.com/office/drawing/2014/main" id="{E27F978C-B797-2A23-6046-C451DFD5474D}"/>
               </a:ext>
             </a:extLst>
           </p:cNvPr>
@@ -2062,7 +2062,7 @@
           <a:bodyPr/>
           <a:lstStyle/>
           <a:p>
-            <a:fld id="{E5DB1334-430C-4590-92B3-9196D2A70F18}" type="datetimeFigureOut">
+            <a:fld id="{6CBB906F-6F82-4A34-818E-505EBDC93717}" type="datetimeFigureOut">
               <a:rPr lang="zh-CN" altLang="en-US" smtClean="0"/>
               <a:t>2024/3/10</a:t>
             </a:fld>
@@ -2075,7 +2075,7 @@
           <p:cNvPr id="3" name="页脚占位符 2">
             <a:extLst>
               <a:ext uri="{FF2B5EF4-FFF2-40B4-BE49-F238E27FC236}">
-                <a16:creationId xmlns:a16="http://schemas.microsoft.com/office/drawing/2014/main" id="{30CA1BCA-E1E5-14A8-0CB5-4D649A248189}"/>
+                <a16:creationId xmlns:a16="http://schemas.microsoft.com/office/drawing/2014/main" id="{28BB5DCC-369C-D6AE-5275-2AF94546EF66}"/>
               </a:ext>
             </a:extLst>
           </p:cNvPr>
@@ -2100,7 +2100,7 @@
           <p:cNvPr id="4" name="灯片编号占位符 3">
             <a:extLst>
               <a:ext uri="{FF2B5EF4-FFF2-40B4-BE49-F238E27FC236}">
-                <a16:creationId xmlns:a16="http://schemas.microsoft.com/office/drawing/2014/main" id="{0219D11A-8541-E1CE-69FB-237CB32BAE63}"/>
+                <a16:creationId xmlns:a16="http://schemas.microsoft.com/office/drawing/2014/main" id="{AEADDF01-973C-F843-F30F-51080FE616FD}"/>
               </a:ext>
             </a:extLst>
           </p:cNvPr>
@@ -2116,7 +2116,7 @@
           <a:bodyPr/>
           <a:lstStyle/>
           <a:p>
-            <a:fld id="{2CBF1535-8A6A-4489-8983-BA86345D0F6C}" type="slidenum">
+            <a:fld id="{0C4A86C3-6E94-45FD-8E4E-403FCD55A07D}" type="slidenum">
               <a:rPr lang="zh-CN" altLang="en-US" smtClean="0"/>
               <a:t>‹#›</a:t>
             </a:fld>
@@ -2127,7 +2127,7 @@
     </p:spTree>
     <p:extLst>
       <p:ext uri="{BB962C8B-B14F-4D97-AF65-F5344CB8AC3E}">
-        <p14:creationId xmlns:p14="http://schemas.microsoft.com/office/powerpoint/2010/main" val="3906566067"/>
+        <p14:creationId xmlns:p14="http://schemas.microsoft.com/office/powerpoint/2010/main" val="547236268"/>
       </p:ext>
     </p:extLst>
   </p:cSld>
@@ -2159,7 +2159,7 @@
           <p:cNvPr id="2" name="标题 1">
             <a:extLst>
               <a:ext uri="{FF2B5EF4-FFF2-40B4-BE49-F238E27FC236}">
-                <a16:creationId xmlns:a16="http://schemas.microsoft.com/office/drawing/2014/main" id="{8ABE7E5B-F4C2-2E89-1610-7BED659E39C7}"/>
+                <a16:creationId xmlns:a16="http://schemas.microsoft.com/office/drawing/2014/main" id="{4E990184-AC86-59C1-F4FE-017357DA7A80}"/>
               </a:ext>
             </a:extLst>
           </p:cNvPr>
@@ -2196,7 +2196,7 @@
           <p:cNvPr id="3" name="内容占位符 2">
             <a:extLst>
               <a:ext uri="{FF2B5EF4-FFF2-40B4-BE49-F238E27FC236}">
-                <a16:creationId xmlns:a16="http://schemas.microsoft.com/office/drawing/2014/main" id="{5861DCF3-CF95-B873-0FE4-3F26330CDDC5}"/>
+                <a16:creationId xmlns:a16="http://schemas.microsoft.com/office/drawing/2014/main" id="{7730E6A2-CE90-655E-73EA-3511C0C437AA}"/>
               </a:ext>
             </a:extLst>
           </p:cNvPr>
@@ -2286,7 +2286,7 @@
           <p:cNvPr id="4" name="文本占位符 3">
             <a:extLst>
               <a:ext uri="{FF2B5EF4-FFF2-40B4-BE49-F238E27FC236}">
-                <a16:creationId xmlns:a16="http://schemas.microsoft.com/office/drawing/2014/main" id="{F7C824C7-8D55-7412-3D0B-D2CC94A10D8A}"/>
+                <a16:creationId xmlns:a16="http://schemas.microsoft.com/office/drawing/2014/main" id="{5BAE6E63-7D37-7206-9EB2-0D0AC789EC33}"/>
               </a:ext>
             </a:extLst>
           </p:cNvPr>
@@ -2357,7 +2357,7 @@
           <p:cNvPr id="5" name="日期占位符 4">
             <a:extLst>
               <a:ext uri="{FF2B5EF4-FFF2-40B4-BE49-F238E27FC236}">
-                <a16:creationId xmlns:a16="http://schemas.microsoft.com/office/drawing/2014/main" id="{FF6B32EA-DBE7-379C-BA87-CB7B81A0546A}"/>
+                <a16:creationId xmlns:a16="http://schemas.microsoft.com/office/drawing/2014/main" id="{1C4F2525-9562-AB99-61AA-B7F6BA30CC5E}"/>
               </a:ext>
             </a:extLst>
           </p:cNvPr>
@@ -2373,7 +2373,7 @@
           <a:bodyPr/>
           <a:lstStyle/>
           <a:p>
-            <a:fld id="{E5DB1334-430C-4590-92B3-9196D2A70F18}" type="datetimeFigureOut">
+            <a:fld id="{6CBB906F-6F82-4A34-818E-505EBDC93717}" type="datetimeFigureOut">
               <a:rPr lang="zh-CN" altLang="en-US" smtClean="0"/>
               <a:t>2024/3/10</a:t>
             </a:fld>
@@ -2386,7 +2386,7 @@
           <p:cNvPr id="6" name="页脚占位符 5">
             <a:extLst>
               <a:ext uri="{FF2B5EF4-FFF2-40B4-BE49-F238E27FC236}">
-                <a16:creationId xmlns:a16="http://schemas.microsoft.com/office/drawing/2014/main" id="{39B7FAA1-77C6-7280-380C-C7D2866AA03A}"/>
+                <a16:creationId xmlns:a16="http://schemas.microsoft.com/office/drawing/2014/main" id="{4FC60C2C-0510-1C01-15F8-F581A3E83E96}"/>
               </a:ext>
             </a:extLst>
           </p:cNvPr>
@@ -2411,7 +2411,7 @@
           <p:cNvPr id="7" name="灯片编号占位符 6">
             <a:extLst>
               <a:ext uri="{FF2B5EF4-FFF2-40B4-BE49-F238E27FC236}">
-                <a16:creationId xmlns:a16="http://schemas.microsoft.com/office/drawing/2014/main" id="{70579AC6-E487-2335-B547-3909A1C6C99E}"/>
+                <a16:creationId xmlns:a16="http://schemas.microsoft.com/office/drawing/2014/main" id="{47BD7D2B-0A43-CDD9-3F7D-5F7F8B8A1908}"/>
               </a:ext>
             </a:extLst>
           </p:cNvPr>
@@ -2427,7 +2427,7 @@
           <a:bodyPr/>
           <a:lstStyle/>
           <a:p>
-            <a:fld id="{2CBF1535-8A6A-4489-8983-BA86345D0F6C}" type="slidenum">
+            <a:fld id="{0C4A86C3-6E94-45FD-8E4E-403FCD55A07D}" type="slidenum">
               <a:rPr lang="zh-CN" altLang="en-US" smtClean="0"/>
               <a:t>‹#›</a:t>
             </a:fld>
@@ -2438,7 +2438,7 @@
     </p:spTree>
     <p:extLst>
       <p:ext uri="{BB962C8B-B14F-4D97-AF65-F5344CB8AC3E}">
-        <p14:creationId xmlns:p14="http://schemas.microsoft.com/office/powerpoint/2010/main" val="1580307993"/>
+        <p14:creationId xmlns:p14="http://schemas.microsoft.com/office/powerpoint/2010/main" val="2401955049"/>
       </p:ext>
     </p:extLst>
   </p:cSld>
@@ -2470,7 +2470,7 @@
           <p:cNvPr id="2" name="标题 1">
             <a:extLst>
               <a:ext uri="{FF2B5EF4-FFF2-40B4-BE49-F238E27FC236}">
-                <a16:creationId xmlns:a16="http://schemas.microsoft.com/office/drawing/2014/main" id="{0D24981E-C1E1-F294-1F04-9A84C1635D74}"/>
+                <a16:creationId xmlns:a16="http://schemas.microsoft.com/office/drawing/2014/main" id="{C1CCB234-EF30-4311-E7B7-94BA7DC27065}"/>
               </a:ext>
             </a:extLst>
           </p:cNvPr>
@@ -2507,7 +2507,7 @@
           <p:cNvPr id="3" name="图片占位符 2">
             <a:extLst>
               <a:ext uri="{FF2B5EF4-FFF2-40B4-BE49-F238E27FC236}">
-                <a16:creationId xmlns:a16="http://schemas.microsoft.com/office/drawing/2014/main" id="{F8B8A329-6F5F-A01C-126E-4BCC1554F834}"/>
+                <a16:creationId xmlns:a16="http://schemas.microsoft.com/office/drawing/2014/main" id="{8D5F3AC6-1E2E-5FD0-5E92-F2EE86289439}"/>
               </a:ext>
             </a:extLst>
           </p:cNvPr>
@@ -2574,7 +2574,7 @@
           <p:cNvPr id="4" name="文本占位符 3">
             <a:extLst>
               <a:ext uri="{FF2B5EF4-FFF2-40B4-BE49-F238E27FC236}">
-                <a16:creationId xmlns:a16="http://schemas.microsoft.com/office/drawing/2014/main" id="{8BF22CD9-3005-48C0-244B-623FA94F3D41}"/>
+                <a16:creationId xmlns:a16="http://schemas.microsoft.com/office/drawing/2014/main" id="{E385CDAB-EA76-F7F8-A080-5421E7C296B4}"/>
               </a:ext>
             </a:extLst>
           </p:cNvPr>
@@ -2645,7 +2645,7 @@
           <p:cNvPr id="5" name="日期占位符 4">
             <a:extLst>
               <a:ext uri="{FF2B5EF4-FFF2-40B4-BE49-F238E27FC236}">
-                <a16:creationId xmlns:a16="http://schemas.microsoft.com/office/drawing/2014/main" id="{3978DBB2-FECD-3059-3A55-641B973EB44B}"/>
+                <a16:creationId xmlns:a16="http://schemas.microsoft.com/office/drawing/2014/main" id="{CA52FA81-F833-30E9-BC42-7C7D816BA1FB}"/>
               </a:ext>
             </a:extLst>
           </p:cNvPr>
@@ -2661,7 +2661,7 @@
           <a:bodyPr/>
           <a:lstStyle/>
           <a:p>
-            <a:fld id="{E5DB1334-430C-4590-92B3-9196D2A70F18}" type="datetimeFigureOut">
+            <a:fld id="{6CBB906F-6F82-4A34-818E-505EBDC93717}" type="datetimeFigureOut">
               <a:rPr lang="zh-CN" altLang="en-US" smtClean="0"/>
               <a:t>2024/3/10</a:t>
             </a:fld>
@@ -2674,7 +2674,7 @@
           <p:cNvPr id="6" name="页脚占位符 5">
             <a:extLst>
               <a:ext uri="{FF2B5EF4-FFF2-40B4-BE49-F238E27FC236}">
-                <a16:creationId xmlns:a16="http://schemas.microsoft.com/office/drawing/2014/main" id="{1FEF5ABC-3DFC-E991-99B6-E252F576D1C8}"/>
+                <a16:creationId xmlns:a16="http://schemas.microsoft.com/office/drawing/2014/main" id="{27E6321F-FF93-C769-E54C-4C367CEB8FEA}"/>
               </a:ext>
             </a:extLst>
           </p:cNvPr>
@@ -2699,7 +2699,7 @@
           <p:cNvPr id="7" name="灯片编号占位符 6">
             <a:extLst>
               <a:ext uri="{FF2B5EF4-FFF2-40B4-BE49-F238E27FC236}">
-                <a16:creationId xmlns:a16="http://schemas.microsoft.com/office/drawing/2014/main" id="{29ACC4EF-3F03-51E9-6274-2AB5354FA163}"/>
+                <a16:creationId xmlns:a16="http://schemas.microsoft.com/office/drawing/2014/main" id="{C7C0D8C1-E5FC-AAFA-4B9D-87A81E95CE66}"/>
               </a:ext>
             </a:extLst>
           </p:cNvPr>
@@ -2715,7 +2715,7 @@
           <a:bodyPr/>
           <a:lstStyle/>
           <a:p>
-            <a:fld id="{2CBF1535-8A6A-4489-8983-BA86345D0F6C}" type="slidenum">
+            <a:fld id="{0C4A86C3-6E94-45FD-8E4E-403FCD55A07D}" type="slidenum">
               <a:rPr lang="zh-CN" altLang="en-US" smtClean="0"/>
               <a:t>‹#›</a:t>
             </a:fld>
@@ -2726,7 +2726,7 @@
     </p:spTree>
     <p:extLst>
       <p:ext uri="{BB962C8B-B14F-4D97-AF65-F5344CB8AC3E}">
-        <p14:creationId xmlns:p14="http://schemas.microsoft.com/office/powerpoint/2010/main" val="1172668904"/>
+        <p14:creationId xmlns:p14="http://schemas.microsoft.com/office/powerpoint/2010/main" val="2491900406"/>
       </p:ext>
     </p:extLst>
   </p:cSld>
@@ -2763,7 +2763,7 @@
           <p:cNvPr id="2" name="标题占位符 1">
             <a:extLst>
               <a:ext uri="{FF2B5EF4-FFF2-40B4-BE49-F238E27FC236}">
-                <a16:creationId xmlns:a16="http://schemas.microsoft.com/office/drawing/2014/main" id="{779037E9-965D-1761-9207-4BAEDCEBB198}"/>
+                <a16:creationId xmlns:a16="http://schemas.microsoft.com/office/drawing/2014/main" id="{AA686173-E4E3-719C-CD98-9AF5B0F35378}"/>
               </a:ext>
             </a:extLst>
           </p:cNvPr>
@@ -2801,7 +2801,7 @@
           <p:cNvPr id="3" name="文本占位符 2">
             <a:extLst>
               <a:ext uri="{FF2B5EF4-FFF2-40B4-BE49-F238E27FC236}">
-                <a16:creationId xmlns:a16="http://schemas.microsoft.com/office/drawing/2014/main" id="{DDA23958-CDFC-F414-43F4-E10C7B73F869}"/>
+                <a16:creationId xmlns:a16="http://schemas.microsoft.com/office/drawing/2014/main" id="{54A0B966-085F-3746-37EF-42553689AD18}"/>
               </a:ext>
             </a:extLst>
           </p:cNvPr>
@@ -2868,7 +2868,7 @@
           <p:cNvPr id="4" name="日期占位符 3">
             <a:extLst>
               <a:ext uri="{FF2B5EF4-FFF2-40B4-BE49-F238E27FC236}">
-                <a16:creationId xmlns:a16="http://schemas.microsoft.com/office/drawing/2014/main" id="{86400DCF-C56D-269F-BBDC-DD016321FC6A}"/>
+                <a16:creationId xmlns:a16="http://schemas.microsoft.com/office/drawing/2014/main" id="{57525084-8721-A3FC-C32A-A6057BC9B035}"/>
               </a:ext>
             </a:extLst>
           </p:cNvPr>
@@ -2902,7 +2902,7 @@
             </a:lvl1pPr>
           </a:lstStyle>
           <a:p>
-            <a:fld id="{E5DB1334-430C-4590-92B3-9196D2A70F18}" type="datetimeFigureOut">
+            <a:fld id="{6CBB906F-6F82-4A34-818E-505EBDC93717}" type="datetimeFigureOut">
               <a:rPr lang="zh-CN" altLang="en-US" smtClean="0"/>
               <a:t>2024/3/10</a:t>
             </a:fld>
@@ -2915,7 +2915,7 @@
           <p:cNvPr id="5" name="页脚占位符 4">
             <a:extLst>
               <a:ext uri="{FF2B5EF4-FFF2-40B4-BE49-F238E27FC236}">
-                <a16:creationId xmlns:a16="http://schemas.microsoft.com/office/drawing/2014/main" id="{9C0FC535-E1F6-D685-A4E4-1855507F578D}"/>
+                <a16:creationId xmlns:a16="http://schemas.microsoft.com/office/drawing/2014/main" id="{B8104F2F-49A8-D270-DA91-BF5ED6ED5C80}"/>
               </a:ext>
             </a:extLst>
           </p:cNvPr>
@@ -2958,7 +2958,7 @@
           <p:cNvPr id="6" name="灯片编号占位符 5">
             <a:extLst>
               <a:ext uri="{FF2B5EF4-FFF2-40B4-BE49-F238E27FC236}">
-                <a16:creationId xmlns:a16="http://schemas.microsoft.com/office/drawing/2014/main" id="{E30CFE68-867F-9BA3-08EC-8AF6A92158E7}"/>
+                <a16:creationId xmlns:a16="http://schemas.microsoft.com/office/drawing/2014/main" id="{E7BA35E6-20A5-384F-9078-648504E49AEA}"/>
               </a:ext>
             </a:extLst>
           </p:cNvPr>
@@ -2992,7 +2992,7 @@
             </a:lvl1pPr>
           </a:lstStyle>
           <a:p>
-            <a:fld id="{2CBF1535-8A6A-4489-8983-BA86345D0F6C}" type="slidenum">
+            <a:fld id="{0C4A86C3-6E94-45FD-8E4E-403FCD55A07D}" type="slidenum">
               <a:rPr lang="zh-CN" altLang="en-US" smtClean="0"/>
               <a:t>‹#›</a:t>
             </a:fld>
@@ -3003,7 +3003,7 @@
     </p:spTree>
     <p:extLst>
       <p:ext uri="{BB962C8B-B14F-4D97-AF65-F5344CB8AC3E}">
-        <p14:creationId xmlns:p14="http://schemas.microsoft.com/office/powerpoint/2010/main" val="1641272136"/>
+        <p14:creationId xmlns:p14="http://schemas.microsoft.com/office/powerpoint/2010/main" val="1693004749"/>
       </p:ext>
     </p:extLst>
   </p:cSld>
